--- a/PowerPoint Presentation/Unity_Vuforia_Workshop_JoelPerez.pptx
+++ b/PowerPoint Presentation/Unity_Vuforia_Workshop_JoelPerez.pptx
@@ -147,7 +147,7 @@
 <file path=ppt/revisionInfo.xml><?xml version="1.0" encoding="utf-8"?>
 <p1510:revInfo xmlns:a="http://schemas.openxmlformats.org/drawingml/2006/main" xmlns:r="http://schemas.openxmlformats.org/officeDocument/2006/relationships" xmlns:p1510="http://schemas.microsoft.com/office/powerpoint/2015/10/main">
   <p1510:revLst>
-    <p1510:client id="{A6CB786A-9AF4-41FD-9F19-4F90B247F665}" v="363" dt="2019-05-24T01:40:19.700"/>
+    <p1510:client id="{A6CB786A-9AF4-41FD-9F19-4F90B247F665}" v="364" dt="2019-05-24T02:14:38.092"/>
   </p1510:revLst>
 </p1510:revInfo>
 </file>
@@ -157,7 +157,7 @@
   <pc:docChgLst>
     <pc:chgData name="Joel Perez" userId="422277b9-547f-4715-86f6-0f7b00d7f4e1" providerId="ADAL" clId="{A6CB786A-9AF4-41FD-9F19-4F90B247F665}"/>
     <pc:docChg chg="undo custSel mod addSld modSld sldOrd">
-      <pc:chgData name="Joel Perez" userId="422277b9-547f-4715-86f6-0f7b00d7f4e1" providerId="ADAL" clId="{A6CB786A-9AF4-41FD-9F19-4F90B247F665}" dt="2019-05-24T02:04:01.627" v="2555" actId="5793"/>
+      <pc:chgData name="Joel Perez" userId="422277b9-547f-4715-86f6-0f7b00d7f4e1" providerId="ADAL" clId="{A6CB786A-9AF4-41FD-9F19-4F90B247F665}" dt="2019-05-24T02:14:38.091" v="2556"/>
       <pc:docMkLst>
         <pc:docMk/>
       </pc:docMkLst>
@@ -857,13 +857,13 @@
         </pc:spChg>
       </pc:sldChg>
       <pc:sldChg chg="modSp add">
-        <pc:chgData name="Joel Perez" userId="422277b9-547f-4715-86f6-0f7b00d7f4e1" providerId="ADAL" clId="{A6CB786A-9AF4-41FD-9F19-4F90B247F665}" dt="2019-05-24T02:04:01.627" v="2555" actId="5793"/>
+        <pc:chgData name="Joel Perez" userId="422277b9-547f-4715-86f6-0f7b00d7f4e1" providerId="ADAL" clId="{A6CB786A-9AF4-41FD-9F19-4F90B247F665}" dt="2019-05-24T02:14:38.091" v="2556"/>
         <pc:sldMkLst>
           <pc:docMk/>
           <pc:sldMk cId="584085218" sldId="277"/>
         </pc:sldMkLst>
         <pc:spChg chg="mod">
-          <ac:chgData name="Joel Perez" userId="422277b9-547f-4715-86f6-0f7b00d7f4e1" providerId="ADAL" clId="{A6CB786A-9AF4-41FD-9F19-4F90B247F665}" dt="2019-05-24T02:04:01.627" v="2555" actId="5793"/>
+          <ac:chgData name="Joel Perez" userId="422277b9-547f-4715-86f6-0f7b00d7f4e1" providerId="ADAL" clId="{A6CB786A-9AF4-41FD-9F19-4F90B247F665}" dt="2019-05-24T02:14:38.091" v="2556"/>
           <ac:spMkLst>
             <pc:docMk/>
             <pc:sldMk cId="584085218" sldId="277"/>
@@ -8834,7 +8834,7 @@
         <p:spPr>
           <a:xfrm>
             <a:off x="1986455" y="1797269"/>
-            <a:ext cx="7577957" cy="3046988"/>
+            <a:ext cx="7577957" cy="3077766"/>
           </a:xfrm>
           <a:prstGeom prst="rect">
             <a:avLst/>
@@ -8867,19 +8867,16 @@
                 </a:solidFill>
                 <a:latin typeface="Bahnschrift Condensed" panose="020B0502040204020203" pitchFamily="34" charset="0"/>
               </a:rPr>
-              <a:t> (Joel Perez) </a:t>
-            </a:r>
+              <a:t> (Joel Perez) GitHub – Project Files</a:t>
+            </a:r>
+          </a:p>
+          <a:p>
             <a:r>
               <a:rPr lang="en-US" sz="1600">
-                <a:solidFill>
-                  <a:schemeClr val="bg1"/>
-                </a:solidFill>
-                <a:latin typeface="Bahnschrift Condensed" panose="020B0502040204020203" pitchFamily="34" charset="0"/>
+                <a:hlinkClick r:id="rId5"/>
               </a:rPr>
-              <a:t>GitHub – Project Files</a:t>
-            </a:r>
-          </a:p>
-          <a:p>
+              <a:t>https://github.com/roketteere/AR_MarkerApp_InTech_JoelPerez</a:t>
+            </a:r>
             <a:endParaRPr lang="en-US" sz="1600">
               <a:solidFill>
                 <a:schemeClr val="bg1"/>
@@ -8906,7 +8903,7 @@
             <a:r>
               <a:rPr lang="en-US" sz="1600" dirty="0">
                 <a:latin typeface="Bahnschrift Condensed" panose="020B0502040204020203" pitchFamily="34" charset="0"/>
-                <a:hlinkClick r:id="rId5"/>
+                <a:hlinkClick r:id="rId6"/>
               </a:rPr>
               <a:t>https://docs.unity3d.com/Manual/vuforia-sdk-overview.html</a:t>
             </a:r>
@@ -8935,7 +8932,7 @@
           <a:p>
             <a:r>
               <a:rPr lang="en-US" sz="1600" dirty="0">
-                <a:hlinkClick r:id="rId6"/>
+                <a:hlinkClick r:id="rId7"/>
               </a:rPr>
               <a:t>https://developer.vuforia.com/</a:t>
             </a:r>
@@ -8977,7 +8974,7 @@
                   <a:schemeClr val="bg1"/>
                 </a:solidFill>
                 <a:latin typeface="Bahnschrift Condensed" panose="020B0502040204020203" pitchFamily="34" charset="0"/>
-                <a:hlinkClick r:id="rId7"/>
+                <a:hlinkClick r:id="rId8"/>
               </a:rPr>
               <a:t>www.PixaBay.com</a:t>
             </a:r>
@@ -9006,7 +9003,7 @@
           <a:p>
             <a:r>
               <a:rPr lang="en-US" sz="1600" dirty="0">
-                <a:hlinkClick r:id="rId8"/>
+                <a:hlinkClick r:id="rId9"/>
               </a:rPr>
               <a:t>https://www.unitconverters.net/</a:t>
             </a:r>
@@ -9039,7 +9036,7 @@
                   <a:schemeClr val="bg1"/>
                 </a:solidFill>
                 <a:latin typeface="Bahnschrift Condensed" panose="020B0502040204020203" pitchFamily="34" charset="0"/>
-                <a:hlinkClick r:id="rId9"/>
+                <a:hlinkClick r:id="rId10"/>
               </a:rPr>
               <a:t>www.GitHub.com</a:t>
             </a:r>
